--- a/Weekly/汇报/O2E-TU-2_汇报_0322.pptx
+++ b/Weekly/汇报/O2E-TU-2_汇报_0322.pptx
@@ -3287,6 +3287,9 @@
           <a:prstGeom prst="rect">
             <a:avLst/>
           </a:prstGeom>
+          <a:ln>
+            <a:noFill/>
+          </a:ln>
         </p:spPr>
         <p:style>
           <a:lnRef idx="2">
@@ -3326,6 +3329,9 @@
           <a:prstGeom prst="rect">
             <a:avLst/>
           </a:prstGeom>
+          <a:ln cap="rnd">
+            <a:noFill/>
+          </a:ln>
         </p:spPr>
         <p:style>
           <a:lnRef idx="2">
@@ -3398,7 +3404,7 @@
         </p:nvSpPr>
         <p:spPr>
           <a:xfrm>
-            <a:off x="5723255" y="4458335"/>
+            <a:off x="5731510" y="4475480"/>
             <a:ext cx="1433195" cy="368300"/>
           </a:xfrm>
           <a:prstGeom prst="rect">
@@ -3898,6 +3904,9 @@
           <a:prstGeom prst="rect">
             <a:avLst/>
           </a:prstGeom>
+          <a:ln>
+            <a:noFill/>
+          </a:ln>
         </p:spPr>
         <p:style>
           <a:lnRef idx="2">
@@ -3937,6 +3946,9 @@
           <a:prstGeom prst="rect">
             <a:avLst/>
           </a:prstGeom>
+          <a:ln>
+            <a:noFill/>
+          </a:ln>
         </p:spPr>
         <p:style>
           <a:lnRef idx="2">
@@ -7166,7 +7178,6 @@
             </a:pPr>
             <a:r>
               <a:rPr lang="zh-CN" altLang="en-US" sz="2400" b="1">
-                <a:ln/>
                 <a:solidFill>
                   <a:schemeClr val="tx1"/>
                 </a:solidFill>
@@ -7181,7 +7192,6 @@
               <a:t>确定项目整体规划</a:t>
             </a:r>
             <a:endParaRPr lang="zh-CN" altLang="en-US" sz="2400" b="1">
-              <a:ln/>
               <a:solidFill>
                 <a:schemeClr val="tx1"/>
               </a:solidFill>
@@ -8341,7 +8351,7 @@
           <p:spPr>
             <a:xfrm>
               <a:off x="5619750" y="1399829"/>
-              <a:ext cx="2336403" cy="609775"/>
+              <a:ext cx="2038638" cy="609775"/>
             </a:xfrm>
             <a:prstGeom prst="rect">
               <a:avLst/>
@@ -8726,7 +8736,7 @@
       </p:sp>
       <p:pic>
         <p:nvPicPr>
-          <p:cNvPr id="4" name="图片 3"/>
+          <p:cNvPr id="3" name="图片 2"/>
           <p:cNvPicPr>
             <a:picLocks noChangeAspect="1"/>
           </p:cNvPicPr>
@@ -8740,75 +8750,22 @@
         </p:blipFill>
         <p:spPr>
           <a:xfrm>
-            <a:off x="1552575" y="2240915"/>
-            <a:ext cx="6228080" cy="3383915"/>
+            <a:off x="3158490" y="2050415"/>
+            <a:ext cx="5875655" cy="4247515"/>
           </a:xfrm>
           <a:prstGeom prst="rect">
             <a:avLst/>
           </a:prstGeom>
-          <a:solidFill>
-            <a:schemeClr val="accent1"/>
-          </a:solidFill>
-          <a:ln w="19050" cap="flat" cmpd="sng">
+          <a:ln w="12700" cmpd="sng">
             <a:solidFill>
               <a:schemeClr val="accent1">
-                <a:lumMod val="20000"/>
-                <a:lumOff val="80000"/>
+                <a:shade val="50000"/>
               </a:schemeClr>
             </a:solidFill>
             <a:prstDash val="solid"/>
           </a:ln>
         </p:spPr>
       </p:pic>
-      <p:sp>
-        <p:nvSpPr>
-          <p:cNvPr id="5" name="文本框 4"/>
-          <p:cNvSpPr txBox="1"/>
-          <p:nvPr/>
-        </p:nvSpPr>
-        <p:spPr>
-          <a:xfrm>
-            <a:off x="8031480" y="4589145"/>
-            <a:ext cx="2749550" cy="1476375"/>
-          </a:xfrm>
-          <a:prstGeom prst="rect">
-            <a:avLst/>
-          </a:prstGeom>
-          <a:noFill/>
-        </p:spPr>
-        <p:txBody>
-          <a:bodyPr wrap="square" rtlCol="0">
-            <a:spAutoFit/>
-          </a:bodyPr>
-          <a:p>
-            <a:pPr indent="0" defTabSz="360045" fontAlgn="auto">
-              <a:buFont typeface="Arial" panose="020B0604020202020204" pitchFamily="34" charset="0"/>
-              <a:buNone/>
-            </a:pPr>
-            <a:r>
-              <a:rPr lang="en-US" altLang="zh-CN"/>
-              <a:t>	  </a:t>
-            </a:r>
-            <a:r>
-              <a:rPr lang="zh-CN" altLang="en-US"/>
-              <a:t>通过输入</a:t>
-            </a:r>
-            <a:r>
-              <a:rPr lang="zh-CN"/>
-              <a:t>一定格式</a:t>
-            </a:r>
-            <a:r>
-              <a:rPr lang="en-US" altLang="zh-CN"/>
-              <a:t>url</a:t>
-            </a:r>
-            <a:r>
-              <a:rPr lang="zh-CN" altLang="en-US"/>
-              <a:t>进行查询，从而能够对所获得的结果进行属性分析，方便进行数据库和接口设计。</a:t>
-            </a:r>
-            <a:endParaRPr lang="zh-CN" altLang="en-US"/>
-          </a:p>
-        </p:txBody>
-      </p:sp>
     </p:spTree>
   </p:cSld>
   <p:clrMapOvr>
@@ -8820,165 +8777,7 @@
   <p:timing>
     <p:tnLst>
       <p:par>
-        <p:cTn id="1" dur="indefinite" restart="never" nodeType="tmRoot">
-          <p:childTnLst>
-            <p:seq concurrent="1" nextAc="seek">
-              <p:cTn id="2" dur="indefinite" nodeType="mainSeq">
-                <p:childTnLst>
-                  <p:par>
-                    <p:cTn id="3" fill="hold">
-                      <p:stCondLst>
-                        <p:cond delay="indefinite"/>
-                        <p:cond evt="onBegin" delay="0">
-                          <p:tn val="2"/>
-                        </p:cond>
-                      </p:stCondLst>
-                      <p:childTnLst>
-                        <p:par>
-                          <p:cTn id="4" fill="hold">
-                            <p:stCondLst>
-                              <p:cond delay="0"/>
-                            </p:stCondLst>
-                            <p:childTnLst>
-                              <p:par>
-                                <p:cTn id="5" presetID="27" presetClass="entr" presetSubtype="0" fill="hold" nodeType="withEffect">
-                                  <p:stCondLst>
-                                    <p:cond delay="0"/>
-                                  </p:stCondLst>
-                                  <p:iterate type="lt">
-                                    <p:tmPct val="50000"/>
-                                  </p:iterate>
-                                  <p:childTnLst>
-                                    <p:set>
-                                      <p:cBhvr>
-                                        <p:cTn id="6" dur="1" fill="hold">
-                                          <p:stCondLst>
-                                            <p:cond delay="0"/>
-                                          </p:stCondLst>
-                                        </p:cTn>
-                                        <p:tgtEl>
-                                          <p:spTgt spid="2">
-                                            <p:txEl>
-                                              <p:pRg st="0" end="0"/>
-                                            </p:txEl>
-                                          </p:spTgt>
-                                        </p:tgtEl>
-                                        <p:attrNameLst>
-                                          <p:attrName>style.visibility</p:attrName>
-                                        </p:attrNameLst>
-                                      </p:cBhvr>
-                                      <p:to>
-                                        <p:strVal val="visible"/>
-                                      </p:to>
-                                    </p:set>
-                                    <p:anim calcmode="discrete" valueType="clr">
-                                      <p:cBhvr override="childStyle">
-                                        <p:cTn id="7" dur="80"/>
-                                        <p:tgtEl>
-                                          <p:spTgt spid="2">
-                                            <p:txEl>
-                                              <p:pRg st="0" end="0"/>
-                                            </p:txEl>
-                                          </p:spTgt>
-                                        </p:tgtEl>
-                                        <p:attrNameLst>
-                                          <p:attrName>style.color</p:attrName>
-                                        </p:attrNameLst>
-                                      </p:cBhvr>
-                                      <p:tavLst>
-                                        <p:tav tm="0">
-                                          <p:val>
-                                            <p:clrVal>
-                                              <a:schemeClr val="accent2"/>
-                                            </p:clrVal>
-                                          </p:val>
-                                        </p:tav>
-                                        <p:tav tm="50000">
-                                          <p:val>
-                                            <p:clrVal>
-                                              <a:schemeClr val="hlink"/>
-                                            </p:clrVal>
-                                          </p:val>
-                                        </p:tav>
-                                      </p:tavLst>
-                                    </p:anim>
-                                    <p:anim calcmode="discrete" valueType="clr">
-                                      <p:cBhvr>
-                                        <p:cTn id="8" dur="80"/>
-                                        <p:tgtEl>
-                                          <p:spTgt spid="2">
-                                            <p:txEl>
-                                              <p:pRg st="0" end="0"/>
-                                            </p:txEl>
-                                          </p:spTgt>
-                                        </p:tgtEl>
-                                        <p:attrNameLst>
-                                          <p:attrName>fillcolor</p:attrName>
-                                        </p:attrNameLst>
-                                      </p:cBhvr>
-                                      <p:tavLst>
-                                        <p:tav tm="0">
-                                          <p:val>
-                                            <p:clrVal>
-                                              <a:schemeClr val="accent2"/>
-                                            </p:clrVal>
-                                          </p:val>
-                                        </p:tav>
-                                        <p:tav tm="50000">
-                                          <p:val>
-                                            <p:clrVal>
-                                              <a:schemeClr val="hlink"/>
-                                            </p:clrVal>
-                                          </p:val>
-                                        </p:tav>
-                                      </p:tavLst>
-                                    </p:anim>
-                                    <p:set>
-                                      <p:cBhvr>
-                                        <p:cTn id="9" dur="80"/>
-                                        <p:tgtEl>
-                                          <p:spTgt spid="2">
-                                            <p:txEl>
-                                              <p:pRg st="0" end="0"/>
-                                            </p:txEl>
-                                          </p:spTgt>
-                                        </p:tgtEl>
-                                        <p:attrNameLst>
-                                          <p:attrName>fill.type</p:attrName>
-                                        </p:attrNameLst>
-                                      </p:cBhvr>
-                                      <p:to>
-                                        <p:strVal val="solid"/>
-                                      </p:to>
-                                    </p:set>
-                                  </p:childTnLst>
-                                </p:cTn>
-                              </p:par>
-                            </p:childTnLst>
-                          </p:cTn>
-                        </p:par>
-                      </p:childTnLst>
-                    </p:cTn>
-                  </p:par>
-                </p:childTnLst>
-              </p:cTn>
-              <p:prevCondLst>
-                <p:cond evt="onPrev" delay="0">
-                  <p:tgtEl>
-                    <p:sldTgt/>
-                  </p:tgtEl>
-                </p:cond>
-              </p:prevCondLst>
-              <p:nextCondLst>
-                <p:cond evt="onNext" delay="0">
-                  <p:tgtEl>
-                    <p:sldTgt/>
-                  </p:tgtEl>
-                </p:cond>
-              </p:nextCondLst>
-            </p:seq>
-          </p:childTnLst>
-        </p:cTn>
+        <p:cTn id="1" dur="indefinite" restart="never" nodeType="tmRoot"/>
       </p:par>
     </p:tnLst>
   </p:timing>
@@ -11235,6 +11034,11 @@
           <a:prstGeom prst="rect">
             <a:avLst/>
           </a:prstGeom>
+          <a:ln>
+            <a:solidFill>
+              <a:schemeClr val="accent1"/>
+            </a:solidFill>
+          </a:ln>
         </p:spPr>
       </p:pic>
     </p:spTree>

--- a/Weekly/汇报/O2E-TU-2_汇报_0322.pptx
+++ b/Weekly/汇报/O2E-TU-2_汇报_0322.pptx
@@ -5,17 +5,17 @@
     <p:sldMasterId id="2147483648" r:id="rId1"/>
   </p:sldMasterIdLst>
   <p:sldIdLst>
-    <p:sldId id="256" r:id="rId3"/>
-    <p:sldId id="258" r:id="rId4"/>
-    <p:sldId id="259" r:id="rId5"/>
-    <p:sldId id="261" r:id="rId6"/>
-    <p:sldId id="332" r:id="rId7"/>
-    <p:sldId id="315" r:id="rId8"/>
-    <p:sldId id="274" r:id="rId9"/>
-    <p:sldId id="322" r:id="rId10"/>
-    <p:sldId id="331" r:id="rId11"/>
-    <p:sldId id="323" r:id="rId12"/>
-    <p:sldId id="324" r:id="rId13"/>
+    <p:sldId id="256" r:id="rId2"/>
+    <p:sldId id="258" r:id="rId3"/>
+    <p:sldId id="259" r:id="rId4"/>
+    <p:sldId id="261" r:id="rId5"/>
+    <p:sldId id="332" r:id="rId6"/>
+    <p:sldId id="315" r:id="rId7"/>
+    <p:sldId id="274" r:id="rId8"/>
+    <p:sldId id="322" r:id="rId9"/>
+    <p:sldId id="331" r:id="rId10"/>
+    <p:sldId id="323" r:id="rId11"/>
+    <p:sldId id="324" r:id="rId12"/>
   </p:sldIdLst>
   <p:sldSz cx="12192000" cy="6858000"/>
   <p:notesSz cx="6858000" cy="9144000"/>
@@ -114,6 +114,11 @@
       </a:defRPr>
     </a:lvl9pPr>
   </p:defaultTextStyle>
+  <p:extLst>
+    <p:ext uri="{EFAFB233-063F-42B5-8137-9DF3F51BA10A}">
+      <p15:sldGuideLst xmlns:p15="http://schemas.microsoft.com/office/powerpoint/2012/main"/>
+    </p:ext>
+  </p:extLst>
 </p:presentation>
 </file>
 
@@ -162,7 +167,6 @@
               <a:rPr lang="zh-CN" altLang="en-US"/>
               <a:t>单击此处编辑母版标题样式</a:t>
             </a:r>
-            <a:endParaRPr lang="zh-CN" altLang="en-US"/>
           </a:p>
         </p:txBody>
       </p:sp>
@@ -227,7 +231,6 @@
               <a:rPr lang="zh-CN" altLang="en-US"/>
               <a:t>单击此处编辑母版副标题样式</a:t>
             </a:r>
-            <a:endParaRPr lang="zh-CN" altLang="en-US"/>
           </a:p>
         </p:txBody>
       </p:sp>
@@ -248,6 +251,7 @@
           <a:p>
             <a:fld id="{D997B5FA-0921-464F-AAE1-844C04324D75}" type="datetimeFigureOut">
               <a:rPr lang="zh-CN" altLang="en-US" smtClean="0"/>
+              <a:t>2022/6/7</a:t>
             </a:fld>
             <a:endParaRPr lang="zh-CN" altLang="en-US"/>
           </a:p>
@@ -289,6 +293,7 @@
           <a:p>
             <a:fld id="{565CE74E-AB26-4998-AD42-012C4C1AD076}" type="slidenum">
               <a:rPr lang="zh-CN" altLang="en-US" smtClean="0"/>
+              <a:t>‹#›</a:t>
             </a:fld>
             <a:endParaRPr lang="zh-CN" altLang="en-US"/>
           </a:p>
@@ -338,7 +343,6 @@
               <a:rPr lang="zh-CN" altLang="en-US"/>
               <a:t>单击此处编辑母版标题样式</a:t>
             </a:r>
-            <a:endParaRPr lang="zh-CN" altLang="en-US"/>
           </a:p>
         </p:txBody>
       </p:sp>
@@ -362,7 +366,6 @@
               <a:rPr lang="zh-CN" altLang="en-US"/>
               <a:t>单击此处编辑母版文本样式</a:t>
             </a:r>
-            <a:endParaRPr lang="zh-CN" altLang="en-US"/>
           </a:p>
           <a:p>
             <a:pPr lvl="1"/>
@@ -370,7 +373,6 @@
               <a:rPr lang="zh-CN" altLang="en-US"/>
               <a:t>第二级</a:t>
             </a:r>
-            <a:endParaRPr lang="zh-CN" altLang="en-US"/>
           </a:p>
           <a:p>
             <a:pPr lvl="2"/>
@@ -378,7 +380,6 @@
               <a:rPr lang="zh-CN" altLang="en-US"/>
               <a:t>第三级</a:t>
             </a:r>
-            <a:endParaRPr lang="zh-CN" altLang="en-US"/>
           </a:p>
           <a:p>
             <a:pPr lvl="3"/>
@@ -386,7 +387,6 @@
               <a:rPr lang="zh-CN" altLang="en-US"/>
               <a:t>第四级</a:t>
             </a:r>
-            <a:endParaRPr lang="zh-CN" altLang="en-US"/>
           </a:p>
           <a:p>
             <a:pPr lvl="4"/>
@@ -394,7 +394,6 @@
               <a:rPr lang="zh-CN" altLang="en-US"/>
               <a:t>第五级</a:t>
             </a:r>
-            <a:endParaRPr lang="zh-CN" altLang="en-US"/>
           </a:p>
         </p:txBody>
       </p:sp>
@@ -415,6 +414,7 @@
           <a:p>
             <a:fld id="{D997B5FA-0921-464F-AAE1-844C04324D75}" type="datetimeFigureOut">
               <a:rPr lang="zh-CN" altLang="en-US" smtClean="0"/>
+              <a:t>2022/6/7</a:t>
             </a:fld>
             <a:endParaRPr lang="zh-CN" altLang="en-US"/>
           </a:p>
@@ -456,6 +456,7 @@
           <a:p>
             <a:fld id="{565CE74E-AB26-4998-AD42-012C4C1AD076}" type="slidenum">
               <a:rPr lang="zh-CN" altLang="en-US" smtClean="0"/>
+              <a:t>‹#›</a:t>
             </a:fld>
             <a:endParaRPr lang="zh-CN" altLang="en-US"/>
           </a:p>
@@ -510,7 +511,6 @@
               <a:rPr lang="zh-CN" altLang="en-US"/>
               <a:t>单击此处编辑母版标题样式</a:t>
             </a:r>
-            <a:endParaRPr lang="zh-CN" altLang="en-US"/>
           </a:p>
         </p:txBody>
       </p:sp>
@@ -539,7 +539,6 @@
               <a:rPr lang="zh-CN" altLang="en-US"/>
               <a:t>单击此处编辑母版文本样式</a:t>
             </a:r>
-            <a:endParaRPr lang="zh-CN" altLang="en-US"/>
           </a:p>
           <a:p>
             <a:pPr lvl="1"/>
@@ -547,7 +546,6 @@
               <a:rPr lang="zh-CN" altLang="en-US"/>
               <a:t>第二级</a:t>
             </a:r>
-            <a:endParaRPr lang="zh-CN" altLang="en-US"/>
           </a:p>
           <a:p>
             <a:pPr lvl="2"/>
@@ -555,7 +553,6 @@
               <a:rPr lang="zh-CN" altLang="en-US"/>
               <a:t>第三级</a:t>
             </a:r>
-            <a:endParaRPr lang="zh-CN" altLang="en-US"/>
           </a:p>
           <a:p>
             <a:pPr lvl="3"/>
@@ -563,7 +560,6 @@
               <a:rPr lang="zh-CN" altLang="en-US"/>
               <a:t>第四级</a:t>
             </a:r>
-            <a:endParaRPr lang="zh-CN" altLang="en-US"/>
           </a:p>
           <a:p>
             <a:pPr lvl="4"/>
@@ -571,7 +567,6 @@
               <a:rPr lang="zh-CN" altLang="en-US"/>
               <a:t>第五级</a:t>
             </a:r>
-            <a:endParaRPr lang="zh-CN" altLang="en-US"/>
           </a:p>
         </p:txBody>
       </p:sp>
@@ -592,6 +587,7 @@
           <a:p>
             <a:fld id="{D997B5FA-0921-464F-AAE1-844C04324D75}" type="datetimeFigureOut">
               <a:rPr lang="zh-CN" altLang="en-US" smtClean="0"/>
+              <a:t>2022/6/7</a:t>
             </a:fld>
             <a:endParaRPr lang="zh-CN" altLang="en-US"/>
           </a:p>
@@ -633,6 +629,7 @@
           <a:p>
             <a:fld id="{565CE74E-AB26-4998-AD42-012C4C1AD076}" type="slidenum">
               <a:rPr lang="zh-CN" altLang="en-US" smtClean="0"/>
+              <a:t>‹#›</a:t>
             </a:fld>
             <a:endParaRPr lang="zh-CN" altLang="en-US"/>
           </a:p>
@@ -682,7 +679,6 @@
               <a:rPr lang="zh-CN" altLang="en-US"/>
               <a:t>单击此处编辑母版标题样式</a:t>
             </a:r>
-            <a:endParaRPr lang="zh-CN" altLang="en-US"/>
           </a:p>
         </p:txBody>
       </p:sp>
@@ -706,7 +702,6 @@
               <a:rPr lang="zh-CN" altLang="en-US"/>
               <a:t>单击此处编辑母版文本样式</a:t>
             </a:r>
-            <a:endParaRPr lang="zh-CN" altLang="en-US"/>
           </a:p>
           <a:p>
             <a:pPr lvl="1"/>
@@ -714,7 +709,6 @@
               <a:rPr lang="zh-CN" altLang="en-US"/>
               <a:t>第二级</a:t>
             </a:r>
-            <a:endParaRPr lang="zh-CN" altLang="en-US"/>
           </a:p>
           <a:p>
             <a:pPr lvl="2"/>
@@ -722,7 +716,6 @@
               <a:rPr lang="zh-CN" altLang="en-US"/>
               <a:t>第三级</a:t>
             </a:r>
-            <a:endParaRPr lang="zh-CN" altLang="en-US"/>
           </a:p>
           <a:p>
             <a:pPr lvl="3"/>
@@ -730,7 +723,6 @@
               <a:rPr lang="zh-CN" altLang="en-US"/>
               <a:t>第四级</a:t>
             </a:r>
-            <a:endParaRPr lang="zh-CN" altLang="en-US"/>
           </a:p>
           <a:p>
             <a:pPr lvl="4"/>
@@ -738,7 +730,6 @@
               <a:rPr lang="zh-CN" altLang="en-US"/>
               <a:t>第五级</a:t>
             </a:r>
-            <a:endParaRPr lang="zh-CN" altLang="en-US"/>
           </a:p>
         </p:txBody>
       </p:sp>
@@ -759,6 +750,7 @@
           <a:p>
             <a:fld id="{D997B5FA-0921-464F-AAE1-844C04324D75}" type="datetimeFigureOut">
               <a:rPr lang="zh-CN" altLang="en-US" smtClean="0"/>
+              <a:t>2022/6/7</a:t>
             </a:fld>
             <a:endParaRPr lang="zh-CN" altLang="en-US"/>
           </a:p>
@@ -800,6 +792,7 @@
           <a:p>
             <a:fld id="{565CE74E-AB26-4998-AD42-012C4C1AD076}" type="slidenum">
               <a:rPr lang="zh-CN" altLang="en-US" smtClean="0"/>
+              <a:t>‹#›</a:t>
             </a:fld>
             <a:endParaRPr lang="zh-CN" altLang="en-US"/>
           </a:p>
@@ -858,7 +851,6 @@
               <a:rPr lang="zh-CN" altLang="en-US"/>
               <a:t>单击此处编辑母版标题样式</a:t>
             </a:r>
-            <a:endParaRPr lang="zh-CN" altLang="en-US"/>
           </a:p>
         </p:txBody>
       </p:sp>
@@ -978,7 +970,6 @@
               <a:rPr lang="zh-CN" altLang="en-US"/>
               <a:t>单击此处编辑母版文本样式</a:t>
             </a:r>
-            <a:endParaRPr lang="zh-CN" altLang="en-US"/>
           </a:p>
         </p:txBody>
       </p:sp>
@@ -999,6 +990,7 @@
           <a:p>
             <a:fld id="{D997B5FA-0921-464F-AAE1-844C04324D75}" type="datetimeFigureOut">
               <a:rPr lang="zh-CN" altLang="en-US" smtClean="0"/>
+              <a:t>2022/6/7</a:t>
             </a:fld>
             <a:endParaRPr lang="zh-CN" altLang="en-US"/>
           </a:p>
@@ -1040,6 +1032,7 @@
           <a:p>
             <a:fld id="{565CE74E-AB26-4998-AD42-012C4C1AD076}" type="slidenum">
               <a:rPr lang="zh-CN" altLang="en-US" smtClean="0"/>
+              <a:t>‹#›</a:t>
             </a:fld>
             <a:endParaRPr lang="zh-CN" altLang="en-US"/>
           </a:p>
@@ -1089,7 +1082,6 @@
               <a:rPr lang="zh-CN" altLang="en-US"/>
               <a:t>单击此处编辑母版标题样式</a:t>
             </a:r>
-            <a:endParaRPr lang="zh-CN" altLang="en-US"/>
           </a:p>
         </p:txBody>
       </p:sp>
@@ -1118,7 +1110,6 @@
               <a:rPr lang="zh-CN" altLang="en-US"/>
               <a:t>单击此处编辑母版文本样式</a:t>
             </a:r>
-            <a:endParaRPr lang="zh-CN" altLang="en-US"/>
           </a:p>
           <a:p>
             <a:pPr lvl="1"/>
@@ -1126,7 +1117,6 @@
               <a:rPr lang="zh-CN" altLang="en-US"/>
               <a:t>第二级</a:t>
             </a:r>
-            <a:endParaRPr lang="zh-CN" altLang="en-US"/>
           </a:p>
           <a:p>
             <a:pPr lvl="2"/>
@@ -1134,7 +1124,6 @@
               <a:rPr lang="zh-CN" altLang="en-US"/>
               <a:t>第三级</a:t>
             </a:r>
-            <a:endParaRPr lang="zh-CN" altLang="en-US"/>
           </a:p>
           <a:p>
             <a:pPr lvl="3"/>
@@ -1142,7 +1131,6 @@
               <a:rPr lang="zh-CN" altLang="en-US"/>
               <a:t>第四级</a:t>
             </a:r>
-            <a:endParaRPr lang="zh-CN" altLang="en-US"/>
           </a:p>
           <a:p>
             <a:pPr lvl="4"/>
@@ -1150,7 +1138,6 @@
               <a:rPr lang="zh-CN" altLang="en-US"/>
               <a:t>第五级</a:t>
             </a:r>
-            <a:endParaRPr lang="zh-CN" altLang="en-US"/>
           </a:p>
         </p:txBody>
       </p:sp>
@@ -1179,7 +1166,6 @@
               <a:rPr lang="zh-CN" altLang="en-US"/>
               <a:t>单击此处编辑母版文本样式</a:t>
             </a:r>
-            <a:endParaRPr lang="zh-CN" altLang="en-US"/>
           </a:p>
           <a:p>
             <a:pPr lvl="1"/>
@@ -1187,7 +1173,6 @@
               <a:rPr lang="zh-CN" altLang="en-US"/>
               <a:t>第二级</a:t>
             </a:r>
-            <a:endParaRPr lang="zh-CN" altLang="en-US"/>
           </a:p>
           <a:p>
             <a:pPr lvl="2"/>
@@ -1195,7 +1180,6 @@
               <a:rPr lang="zh-CN" altLang="en-US"/>
               <a:t>第三级</a:t>
             </a:r>
-            <a:endParaRPr lang="zh-CN" altLang="en-US"/>
           </a:p>
           <a:p>
             <a:pPr lvl="3"/>
@@ -1203,7 +1187,6 @@
               <a:rPr lang="zh-CN" altLang="en-US"/>
               <a:t>第四级</a:t>
             </a:r>
-            <a:endParaRPr lang="zh-CN" altLang="en-US"/>
           </a:p>
           <a:p>
             <a:pPr lvl="4"/>
@@ -1211,7 +1194,6 @@
               <a:rPr lang="zh-CN" altLang="en-US"/>
               <a:t>第五级</a:t>
             </a:r>
-            <a:endParaRPr lang="zh-CN" altLang="en-US"/>
           </a:p>
         </p:txBody>
       </p:sp>
@@ -1232,6 +1214,7 @@
           <a:p>
             <a:fld id="{D997B5FA-0921-464F-AAE1-844C04324D75}" type="datetimeFigureOut">
               <a:rPr lang="zh-CN" altLang="en-US" smtClean="0"/>
+              <a:t>2022/6/7</a:t>
             </a:fld>
             <a:endParaRPr lang="zh-CN" altLang="en-US"/>
           </a:p>
@@ -1273,6 +1256,7 @@
           <a:p>
             <a:fld id="{565CE74E-AB26-4998-AD42-012C4C1AD076}" type="slidenum">
               <a:rPr lang="zh-CN" altLang="en-US" smtClean="0"/>
+              <a:t>‹#›</a:t>
             </a:fld>
             <a:endParaRPr lang="zh-CN" altLang="en-US"/>
           </a:p>
@@ -1327,7 +1311,6 @@
               <a:rPr lang="zh-CN" altLang="en-US"/>
               <a:t>单击此处编辑母版标题样式</a:t>
             </a:r>
-            <a:endParaRPr lang="zh-CN" altLang="en-US"/>
           </a:p>
         </p:txBody>
       </p:sp>
@@ -1393,7 +1376,6 @@
               <a:rPr lang="zh-CN" altLang="en-US"/>
               <a:t>单击此处编辑母版文本样式</a:t>
             </a:r>
-            <a:endParaRPr lang="zh-CN" altLang="en-US"/>
           </a:p>
         </p:txBody>
       </p:sp>
@@ -1422,7 +1404,6 @@
               <a:rPr lang="zh-CN" altLang="en-US"/>
               <a:t>单击此处编辑母版文本样式</a:t>
             </a:r>
-            <a:endParaRPr lang="zh-CN" altLang="en-US"/>
           </a:p>
           <a:p>
             <a:pPr lvl="1"/>
@@ -1430,7 +1411,6 @@
               <a:rPr lang="zh-CN" altLang="en-US"/>
               <a:t>第二级</a:t>
             </a:r>
-            <a:endParaRPr lang="zh-CN" altLang="en-US"/>
           </a:p>
           <a:p>
             <a:pPr lvl="2"/>
@@ -1438,7 +1418,6 @@
               <a:rPr lang="zh-CN" altLang="en-US"/>
               <a:t>第三级</a:t>
             </a:r>
-            <a:endParaRPr lang="zh-CN" altLang="en-US"/>
           </a:p>
           <a:p>
             <a:pPr lvl="3"/>
@@ -1446,7 +1425,6 @@
               <a:rPr lang="zh-CN" altLang="en-US"/>
               <a:t>第四级</a:t>
             </a:r>
-            <a:endParaRPr lang="zh-CN" altLang="en-US"/>
           </a:p>
           <a:p>
             <a:pPr lvl="4"/>
@@ -1454,7 +1432,6 @@
               <a:rPr lang="zh-CN" altLang="en-US"/>
               <a:t>第五级</a:t>
             </a:r>
-            <a:endParaRPr lang="zh-CN" altLang="en-US"/>
           </a:p>
         </p:txBody>
       </p:sp>
@@ -1520,7 +1497,6 @@
               <a:rPr lang="zh-CN" altLang="en-US"/>
               <a:t>单击此处编辑母版文本样式</a:t>
             </a:r>
-            <a:endParaRPr lang="zh-CN" altLang="en-US"/>
           </a:p>
         </p:txBody>
       </p:sp>
@@ -1549,7 +1525,6 @@
               <a:rPr lang="zh-CN" altLang="en-US"/>
               <a:t>单击此处编辑母版文本样式</a:t>
             </a:r>
-            <a:endParaRPr lang="zh-CN" altLang="en-US"/>
           </a:p>
           <a:p>
             <a:pPr lvl="1"/>
@@ -1557,7 +1532,6 @@
               <a:rPr lang="zh-CN" altLang="en-US"/>
               <a:t>第二级</a:t>
             </a:r>
-            <a:endParaRPr lang="zh-CN" altLang="en-US"/>
           </a:p>
           <a:p>
             <a:pPr lvl="2"/>
@@ -1565,7 +1539,6 @@
               <a:rPr lang="zh-CN" altLang="en-US"/>
               <a:t>第三级</a:t>
             </a:r>
-            <a:endParaRPr lang="zh-CN" altLang="en-US"/>
           </a:p>
           <a:p>
             <a:pPr lvl="3"/>
@@ -1573,7 +1546,6 @@
               <a:rPr lang="zh-CN" altLang="en-US"/>
               <a:t>第四级</a:t>
             </a:r>
-            <a:endParaRPr lang="zh-CN" altLang="en-US"/>
           </a:p>
           <a:p>
             <a:pPr lvl="4"/>
@@ -1581,7 +1553,6 @@
               <a:rPr lang="zh-CN" altLang="en-US"/>
               <a:t>第五级</a:t>
             </a:r>
-            <a:endParaRPr lang="zh-CN" altLang="en-US"/>
           </a:p>
         </p:txBody>
       </p:sp>
@@ -1602,6 +1573,7 @@
           <a:p>
             <a:fld id="{D997B5FA-0921-464F-AAE1-844C04324D75}" type="datetimeFigureOut">
               <a:rPr lang="zh-CN" altLang="en-US" smtClean="0"/>
+              <a:t>2022/6/7</a:t>
             </a:fld>
             <a:endParaRPr lang="zh-CN" altLang="en-US"/>
           </a:p>
@@ -1643,6 +1615,7 @@
           <a:p>
             <a:fld id="{565CE74E-AB26-4998-AD42-012C4C1AD076}" type="slidenum">
               <a:rPr lang="zh-CN" altLang="en-US" smtClean="0"/>
+              <a:t>‹#›</a:t>
             </a:fld>
             <a:endParaRPr lang="zh-CN" altLang="en-US"/>
           </a:p>
@@ -1692,7 +1665,6 @@
               <a:rPr lang="zh-CN" altLang="en-US"/>
               <a:t>单击此处编辑母版标题样式</a:t>
             </a:r>
-            <a:endParaRPr lang="zh-CN" altLang="en-US"/>
           </a:p>
         </p:txBody>
       </p:sp>
@@ -1713,6 +1685,7 @@
           <a:p>
             <a:fld id="{D997B5FA-0921-464F-AAE1-844C04324D75}" type="datetimeFigureOut">
               <a:rPr lang="zh-CN" altLang="en-US" smtClean="0"/>
+              <a:t>2022/6/7</a:t>
             </a:fld>
             <a:endParaRPr lang="zh-CN" altLang="en-US"/>
           </a:p>
@@ -1754,6 +1727,7 @@
           <a:p>
             <a:fld id="{565CE74E-AB26-4998-AD42-012C4C1AD076}" type="slidenum">
               <a:rPr lang="zh-CN" altLang="en-US" smtClean="0"/>
+              <a:t>‹#›</a:t>
             </a:fld>
             <a:endParaRPr lang="zh-CN" altLang="en-US"/>
           </a:p>
@@ -1801,6 +1775,7 @@
           <a:p>
             <a:fld id="{D997B5FA-0921-464F-AAE1-844C04324D75}" type="datetimeFigureOut">
               <a:rPr lang="zh-CN" altLang="en-US" smtClean="0"/>
+              <a:t>2022/6/7</a:t>
             </a:fld>
             <a:endParaRPr lang="zh-CN" altLang="en-US"/>
           </a:p>
@@ -1842,6 +1817,7 @@
           <a:p>
             <a:fld id="{565CE74E-AB26-4998-AD42-012C4C1AD076}" type="slidenum">
               <a:rPr lang="zh-CN" altLang="en-US" smtClean="0"/>
+              <a:t>‹#›</a:t>
             </a:fld>
             <a:endParaRPr lang="zh-CN" altLang="en-US"/>
           </a:p>
@@ -1900,7 +1876,6 @@
               <a:rPr lang="zh-CN" altLang="en-US"/>
               <a:t>单击此处编辑母版标题样式</a:t>
             </a:r>
-            <a:endParaRPr lang="zh-CN" altLang="en-US"/>
           </a:p>
         </p:txBody>
       </p:sp>
@@ -1957,7 +1932,6 @@
               <a:rPr lang="zh-CN" altLang="en-US"/>
               <a:t>单击此处编辑母版文本样式</a:t>
             </a:r>
-            <a:endParaRPr lang="zh-CN" altLang="en-US"/>
           </a:p>
           <a:p>
             <a:pPr lvl="1"/>
@@ -1965,7 +1939,6 @@
               <a:rPr lang="zh-CN" altLang="en-US"/>
               <a:t>第二级</a:t>
             </a:r>
-            <a:endParaRPr lang="zh-CN" altLang="en-US"/>
           </a:p>
           <a:p>
             <a:pPr lvl="2"/>
@@ -1973,7 +1946,6 @@
               <a:rPr lang="zh-CN" altLang="en-US"/>
               <a:t>第三级</a:t>
             </a:r>
-            <a:endParaRPr lang="zh-CN" altLang="en-US"/>
           </a:p>
           <a:p>
             <a:pPr lvl="3"/>
@@ -1981,7 +1953,6 @@
               <a:rPr lang="zh-CN" altLang="en-US"/>
               <a:t>第四级</a:t>
             </a:r>
-            <a:endParaRPr lang="zh-CN" altLang="en-US"/>
           </a:p>
           <a:p>
             <a:pPr lvl="4"/>
@@ -1989,7 +1960,6 @@
               <a:rPr lang="zh-CN" altLang="en-US"/>
               <a:t>第五级</a:t>
             </a:r>
-            <a:endParaRPr lang="zh-CN" altLang="en-US"/>
           </a:p>
         </p:txBody>
       </p:sp>
@@ -2055,7 +2025,6 @@
               <a:rPr lang="zh-CN" altLang="en-US"/>
               <a:t>单击此处编辑母版文本样式</a:t>
             </a:r>
-            <a:endParaRPr lang="zh-CN" altLang="en-US"/>
           </a:p>
         </p:txBody>
       </p:sp>
@@ -2076,6 +2045,7 @@
           <a:p>
             <a:fld id="{D997B5FA-0921-464F-AAE1-844C04324D75}" type="datetimeFigureOut">
               <a:rPr lang="zh-CN" altLang="en-US" smtClean="0"/>
+              <a:t>2022/6/7</a:t>
             </a:fld>
             <a:endParaRPr lang="zh-CN" altLang="en-US"/>
           </a:p>
@@ -2117,6 +2087,7 @@
           <a:p>
             <a:fld id="{565CE74E-AB26-4998-AD42-012C4C1AD076}" type="slidenum">
               <a:rPr lang="zh-CN" altLang="en-US" smtClean="0"/>
+              <a:t>‹#›</a:t>
             </a:fld>
             <a:endParaRPr lang="zh-CN" altLang="en-US"/>
           </a:p>
@@ -2175,7 +2146,6 @@
               <a:rPr lang="zh-CN" altLang="en-US"/>
               <a:t>单击此处编辑母版标题样式</a:t>
             </a:r>
-            <a:endParaRPr lang="zh-CN" altLang="en-US"/>
           </a:p>
         </p:txBody>
       </p:sp>
@@ -2302,7 +2272,6 @@
               <a:rPr lang="zh-CN" altLang="en-US"/>
               <a:t>单击此处编辑母版文本样式</a:t>
             </a:r>
-            <a:endParaRPr lang="zh-CN" altLang="en-US"/>
           </a:p>
         </p:txBody>
       </p:sp>
@@ -2323,6 +2292,7 @@
           <a:p>
             <a:fld id="{D997B5FA-0921-464F-AAE1-844C04324D75}" type="datetimeFigureOut">
               <a:rPr lang="zh-CN" altLang="en-US" smtClean="0"/>
+              <a:t>2022/6/7</a:t>
             </a:fld>
             <a:endParaRPr lang="zh-CN" altLang="en-US"/>
           </a:p>
@@ -2364,6 +2334,7 @@
           <a:p>
             <a:fld id="{565CE74E-AB26-4998-AD42-012C4C1AD076}" type="slidenum">
               <a:rPr lang="zh-CN" altLang="en-US" smtClean="0"/>
+              <a:t>‹#›</a:t>
             </a:fld>
             <a:endParaRPr lang="zh-CN" altLang="en-US"/>
           </a:p>
@@ -2428,7 +2399,6 @@
               <a:rPr lang="zh-CN" altLang="en-US"/>
               <a:t>单击此处编辑母版标题样式</a:t>
             </a:r>
-            <a:endParaRPr lang="zh-CN" altLang="en-US"/>
           </a:p>
         </p:txBody>
       </p:sp>
@@ -2462,7 +2432,6 @@
               <a:rPr lang="zh-CN" altLang="en-US"/>
               <a:t>单击此处编辑母版文本样式</a:t>
             </a:r>
-            <a:endParaRPr lang="zh-CN" altLang="en-US"/>
           </a:p>
           <a:p>
             <a:pPr lvl="1"/>
@@ -2470,7 +2439,6 @@
               <a:rPr lang="zh-CN" altLang="en-US"/>
               <a:t>第二级</a:t>
             </a:r>
-            <a:endParaRPr lang="zh-CN" altLang="en-US"/>
           </a:p>
           <a:p>
             <a:pPr lvl="2"/>
@@ -2478,7 +2446,6 @@
               <a:rPr lang="zh-CN" altLang="en-US"/>
               <a:t>第三级</a:t>
             </a:r>
-            <a:endParaRPr lang="zh-CN" altLang="en-US"/>
           </a:p>
           <a:p>
             <a:pPr lvl="3"/>
@@ -2486,7 +2453,6 @@
               <a:rPr lang="zh-CN" altLang="en-US"/>
               <a:t>第四级</a:t>
             </a:r>
-            <a:endParaRPr lang="zh-CN" altLang="en-US"/>
           </a:p>
           <a:p>
             <a:pPr lvl="4"/>
@@ -2494,7 +2460,6 @@
               <a:rPr lang="zh-CN" altLang="en-US"/>
               <a:t>第五级</a:t>
             </a:r>
-            <a:endParaRPr lang="zh-CN" altLang="en-US"/>
           </a:p>
         </p:txBody>
       </p:sp>
@@ -2533,6 +2498,7 @@
           <a:p>
             <a:fld id="{D997B5FA-0921-464F-AAE1-844C04324D75}" type="datetimeFigureOut">
               <a:rPr lang="zh-CN" altLang="en-US" smtClean="0"/>
+              <a:t>2022/6/7</a:t>
             </a:fld>
             <a:endParaRPr lang="zh-CN" altLang="en-US"/>
           </a:p>
@@ -2610,6 +2576,7 @@
           <a:p>
             <a:fld id="{565CE74E-AB26-4998-AD42-012C4C1AD076}" type="slidenum">
               <a:rPr lang="zh-CN" altLang="en-US" smtClean="0"/>
+              <a:t>‹#›</a:t>
             </a:fld>
             <a:endParaRPr lang="zh-CN" altLang="en-US"/>
           </a:p>
@@ -2940,7 +2907,7 @@
           <p:nvPr/>
         </p:nvPicPr>
         <p:blipFill>
-          <a:blip r:embed="rId1"/>
+          <a:blip r:embed="rId2"/>
           <a:stretch>
             <a:fillRect/>
           </a:stretch>
@@ -3094,22 +3061,6 @@
               </a:rPr>
               <a:t>面向企业技术需求的专家对接服务平台</a:t>
             </a:r>
-            <a:endParaRPr kumimoji="0" lang="zh-CN" altLang="en-US" sz="2800" i="0" u="none" strike="noStrike" kern="1200" cap="none" spc="0" normalizeH="0" baseline="0" noProof="0" dirty="0">
-              <a:ln>
-                <a:noFill/>
-              </a:ln>
-              <a:solidFill>
-                <a:schemeClr val="accent1">
-                  <a:lumMod val="75000"/>
-                </a:schemeClr>
-              </a:solidFill>
-              <a:effectLst/>
-              <a:uLnTx/>
-              <a:uFillTx/>
-              <a:latin typeface="经典综艺体简" panose="02010609000101010101" pitchFamily="49" charset="-122"/>
-              <a:ea typeface="经典综艺体简" panose="02010609000101010101" pitchFamily="49" charset="-122"/>
-              <a:cs typeface="经典综艺体简" panose="02010609000101010101" pitchFamily="49" charset="-122"/>
-            </a:endParaRPr>
           </a:p>
         </p:txBody>
       </p:sp>
@@ -3258,7 +3209,7 @@
           <p:nvPr/>
         </p:nvPicPr>
         <p:blipFill>
-          <a:blip r:embed="rId2"/>
+          <a:blip r:embed="rId3"/>
           <a:stretch>
             <a:fillRect/>
           </a:stretch>
@@ -3309,6 +3260,7 @@
         </p:style>
         <p:txBody>
           <a:bodyPr rtlCol="0" anchor="ctr"/>
+          <a:lstStyle/>
           <a:p>
             <a:pPr algn="ctr"/>
             <a:endParaRPr lang="zh-CN" altLang="en-US"/>
@@ -3351,6 +3303,7 @@
         </p:style>
         <p:txBody>
           <a:bodyPr rtlCol="0" anchor="ctr"/>
+          <a:lstStyle/>
           <a:p>
             <a:pPr algn="ctr"/>
             <a:endParaRPr lang="zh-CN" altLang="en-US"/>
@@ -3390,6 +3343,7 @@
         </p:style>
         <p:txBody>
           <a:bodyPr rtlCol="0" anchor="ctr"/>
+          <a:lstStyle/>
           <a:p>
             <a:pPr algn="ctr"/>
             <a:endParaRPr lang="zh-CN" altLang="en-US"/>
@@ -3416,6 +3370,7 @@
           <a:bodyPr wrap="square" rtlCol="0">
             <a:spAutoFit/>
           </a:bodyPr>
+          <a:lstStyle/>
           <a:p>
             <a:r>
               <a:rPr lang="zh-CN" altLang="en-US"/>
@@ -3425,7 +3380,6 @@
               <a:rPr lang="en-US" altLang="zh-CN"/>
               <a:t>3-22</a:t>
             </a:r>
-            <a:endParaRPr lang="en-US" altLang="zh-CN"/>
           </a:p>
         </p:txBody>
       </p:sp>
@@ -3449,12 +3403,99 @@
           <a:bodyPr wrap="square" rtlCol="0">
             <a:spAutoFit/>
           </a:bodyPr>
+          <a:lstStyle/>
           <a:p>
             <a:r>
               <a:rPr lang="zh-CN" altLang="en-US"/>
               <a:t>汇报：欧阳奎</a:t>
             </a:r>
             <a:endParaRPr lang="en-US" altLang="zh-CN"/>
+          </a:p>
+        </p:txBody>
+      </p:sp>
+      <p:sp>
+        <p:nvSpPr>
+          <p:cNvPr id="14" name="矩形 13">
+            <a:extLst>
+              <a:ext uri="{FF2B5EF4-FFF2-40B4-BE49-F238E27FC236}">
+                <a16:creationId xmlns:a16="http://schemas.microsoft.com/office/drawing/2014/main" id="{017616B9-98C9-0C49-A18B-258800C3140D}"/>
+              </a:ext>
+            </a:extLst>
+          </p:cNvPr>
+          <p:cNvSpPr/>
+          <p:nvPr/>
+        </p:nvSpPr>
+        <p:spPr>
+          <a:xfrm>
+            <a:off x="3747184" y="4372610"/>
+            <a:ext cx="1707409" cy="589915"/>
+          </a:xfrm>
+          <a:prstGeom prst="rect">
+            <a:avLst/>
+          </a:prstGeom>
+        </p:spPr>
+        <p:style>
+          <a:lnRef idx="2">
+            <a:schemeClr val="accent1">
+              <a:shade val="50000"/>
+            </a:schemeClr>
+          </a:lnRef>
+          <a:fillRef idx="1">
+            <a:schemeClr val="accent1"/>
+          </a:fillRef>
+          <a:effectRef idx="0">
+            <a:schemeClr val="accent1"/>
+          </a:effectRef>
+          <a:fontRef idx="minor">
+            <a:schemeClr val="lt1"/>
+          </a:fontRef>
+        </p:style>
+        <p:txBody>
+          <a:bodyPr rtlCol="0" anchor="ctr"/>
+          <a:lstStyle/>
+          <a:p>
+            <a:pPr algn="ctr"/>
+            <a:endParaRPr lang="zh-CN" altLang="en-US"/>
+          </a:p>
+        </p:txBody>
+      </p:sp>
+      <p:sp>
+        <p:nvSpPr>
+          <p:cNvPr id="15" name="文本框 14">
+            <a:extLst>
+              <a:ext uri="{FF2B5EF4-FFF2-40B4-BE49-F238E27FC236}">
+                <a16:creationId xmlns:a16="http://schemas.microsoft.com/office/drawing/2014/main" id="{7089EACB-1E5E-3546-99B5-73087A06A6D7}"/>
+              </a:ext>
+            </a:extLst>
+          </p:cNvPr>
+          <p:cNvSpPr txBox="1"/>
+          <p:nvPr/>
+        </p:nvSpPr>
+        <p:spPr>
+          <a:xfrm>
+            <a:off x="3747185" y="4483100"/>
+            <a:ext cx="1856740" cy="369332"/>
+          </a:xfrm>
+          <a:prstGeom prst="rect">
+            <a:avLst/>
+          </a:prstGeom>
+          <a:noFill/>
+        </p:spPr>
+        <p:txBody>
+          <a:bodyPr wrap="square" rtlCol="0">
+            <a:spAutoFit/>
+          </a:bodyPr>
+          <a:lstStyle/>
+          <a:p>
+            <a:r>
+              <a:rPr lang="en-US" altLang="zh-CN" dirty="0"/>
+              <a:t>O2E-TU-2 </a:t>
+            </a:r>
+            <a:r>
+              <a:rPr lang="zh-CN" altLang="en-US" dirty="0"/>
+              <a:t>小组</a:t>
+            </a:r>
+            <a:endParaRPr lang="en-US" altLang="zh-CN" dirty="0"/>
           </a:p>
         </p:txBody>
       </p:sp>
@@ -3780,7 +3821,7 @@
           <p:nvPr/>
         </p:nvPicPr>
         <p:blipFill>
-          <a:blip r:embed="rId1"/>
+          <a:blip r:embed="rId2"/>
           <a:stretch>
             <a:fillRect/>
           </a:stretch>
@@ -3804,7 +3845,7 @@
           <p:nvPr/>
         </p:nvPicPr>
         <p:blipFill>
-          <a:blip r:embed="rId2"/>
+          <a:blip r:embed="rId3"/>
           <a:stretch>
             <a:fillRect/>
           </a:stretch>
@@ -3926,6 +3967,7 @@
         </p:style>
         <p:txBody>
           <a:bodyPr rtlCol="0" anchor="ctr"/>
+          <a:lstStyle/>
           <a:p>
             <a:pPr algn="ctr"/>
             <a:endParaRPr lang="zh-CN" altLang="en-US"/>
@@ -3968,6 +4010,7 @@
         </p:style>
         <p:txBody>
           <a:bodyPr rtlCol="0" anchor="ctr"/>
+          <a:lstStyle/>
           <a:p>
             <a:pPr algn="ctr"/>
             <a:endParaRPr lang="zh-CN" altLang="en-US"/>
@@ -3994,6 +4037,7 @@
           <a:bodyPr wrap="square" rtlCol="0">
             <a:spAutoFit/>
           </a:bodyPr>
+          <a:lstStyle/>
           <a:p>
             <a:r>
               <a:rPr lang="zh-CN" altLang="en-US"/>
@@ -4003,7 +4047,6 @@
               <a:rPr lang="en-US" altLang="zh-CN"/>
               <a:t>3-22</a:t>
             </a:r>
-            <a:endParaRPr lang="en-US" altLang="zh-CN"/>
           </a:p>
         </p:txBody>
       </p:sp>
@@ -4027,6 +4070,7 @@
           <a:bodyPr wrap="square" rtlCol="0">
             <a:spAutoFit/>
           </a:bodyPr>
+          <a:lstStyle/>
           <a:p>
             <a:r>
               <a:rPr lang="zh-CN" altLang="en-US"/>
@@ -4386,7 +4430,7 @@
           <p:nvPr/>
         </p:nvPicPr>
         <p:blipFill>
-          <a:blip r:embed="rId1"/>
+          <a:blip r:embed="rId2"/>
           <a:stretch>
             <a:fillRect/>
           </a:stretch>
@@ -4410,7 +4454,7 @@
           <p:nvPr/>
         </p:nvPicPr>
         <p:blipFill>
-          <a:blip r:embed="rId2"/>
+          <a:blip r:embed="rId3"/>
           <a:stretch>
             <a:fillRect/>
           </a:stretch>
@@ -4621,20 +4665,6 @@
               </a:rPr>
               <a:t>本周工作</a:t>
             </a:r>
-            <a:endParaRPr kumimoji="0" lang="zh-CN" altLang="en-US" sz="2800" b="1" i="0" u="none" strike="noStrike" kern="1200" cap="none" spc="0" normalizeH="0" baseline="0" noProof="0" dirty="0">
-              <a:ln>
-                <a:noFill/>
-              </a:ln>
-              <a:solidFill>
-                <a:prstClr val="white"/>
-              </a:solidFill>
-              <a:effectLst/>
-              <a:uLnTx/>
-              <a:uFillTx/>
-              <a:latin typeface="微软雅黑" panose="020B0503020204020204" pitchFamily="34" charset="-122"/>
-              <a:ea typeface="微软雅黑" panose="020B0503020204020204" pitchFamily="34" charset="-122"/>
-              <a:cs typeface="Aharoni" panose="02010803020104030203" pitchFamily="2" charset="-79"/>
-            </a:endParaRPr>
           </a:p>
         </p:txBody>
       </p:sp>
@@ -4885,11 +4915,6 @@
               </a:rPr>
               <a:t>目录</a:t>
             </a:r>
-            <a:endParaRPr lang="zh-CN" altLang="en-US" sz="4400" b="1" dirty="0">
-              <a:latin typeface="微软雅黑" panose="020B0503020204020204" pitchFamily="34" charset="-122"/>
-              <a:ea typeface="微软雅黑" panose="020B0503020204020204" pitchFamily="34" charset="-122"/>
-              <a:cs typeface="Yuppy SC" panose="020F0603040207020204" pitchFamily="34" charset="-122"/>
-            </a:endParaRPr>
           </a:p>
         </p:txBody>
       </p:sp>
@@ -5671,39 +5696,8 @@
                 <a:ea typeface="微软雅黑" panose="020B0503020204020204" pitchFamily="34" charset="-122"/>
                 <a:cs typeface="Aharoni" panose="02010803020104030203" pitchFamily="2" charset="-79"/>
               </a:rPr>
-              <a:t>后续</a:t>
-            </a:r>
-            <a:r>
-              <a:rPr kumimoji="0" lang="zh-CN" altLang="en-US" sz="2800" b="1" i="0" u="none" strike="noStrike" kern="1200" cap="none" spc="0" normalizeH="0" baseline="0" noProof="0" dirty="0">
-                <a:ln>
-                  <a:noFill/>
-                </a:ln>
-                <a:solidFill>
-                  <a:prstClr val="white"/>
-                </a:solidFill>
-                <a:effectLst/>
-                <a:uLnTx/>
-                <a:uFillTx/>
-                <a:latin typeface="微软雅黑" panose="020B0503020204020204" pitchFamily="34" charset="-122"/>
-                <a:ea typeface="微软雅黑" panose="020B0503020204020204" pitchFamily="34" charset="-122"/>
-                <a:cs typeface="Aharoni" panose="02010803020104030203" pitchFamily="2" charset="-79"/>
-              </a:rPr>
-              <a:t>计划</a:t>
-            </a:r>
-            <a:endParaRPr kumimoji="0" lang="zh-CN" altLang="en-US" sz="2800" b="1" i="0" u="none" strike="noStrike" kern="1200" cap="none" spc="0" normalizeH="0" baseline="0" noProof="0" dirty="0">
-              <a:ln>
-                <a:noFill/>
-              </a:ln>
-              <a:solidFill>
-                <a:prstClr val="white"/>
-              </a:solidFill>
-              <a:effectLst/>
-              <a:uLnTx/>
-              <a:uFillTx/>
-              <a:latin typeface="微软雅黑" panose="020B0503020204020204" pitchFamily="34" charset="-122"/>
-              <a:ea typeface="微软雅黑" panose="020B0503020204020204" pitchFamily="34" charset="-122"/>
-              <a:cs typeface="Aharoni" panose="02010803020104030203" pitchFamily="2" charset="-79"/>
-            </a:endParaRPr>
+              <a:t>后续计划</a:t>
+            </a:r>
           </a:p>
         </p:txBody>
       </p:sp>
@@ -5720,7 +5714,7 @@
           </p:nvPr>
         </p:nvPicPr>
         <p:blipFill>
-          <a:blip r:embed="rId2"/>
+          <a:blip r:embed="rId3"/>
           <a:stretch>
             <a:fillRect/>
           </a:stretch>
@@ -5797,11 +5791,6 @@
               </a:rPr>
               <a:t>本周工作</a:t>
             </a:r>
-            <a:endParaRPr lang="zh-CN" altLang="en-US" sz="6000" b="1" dirty="0">
-              <a:latin typeface="微软雅黑" panose="020B0503020204020204" pitchFamily="34" charset="-122"/>
-              <a:ea typeface="微软雅黑" panose="020B0503020204020204" pitchFamily="34" charset="-122"/>
-              <a:cs typeface="Yuppy SC" panose="020F0603040207020204" pitchFamily="34" charset="-122"/>
-            </a:endParaRPr>
           </a:p>
         </p:txBody>
       </p:sp>
@@ -5814,7 +5803,7 @@
           <p:nvPr/>
         </p:nvPicPr>
         <p:blipFill>
-          <a:blip r:embed="rId1"/>
+          <a:blip r:embed="rId2"/>
           <a:stretch>
             <a:fillRect/>
           </a:stretch>
@@ -6670,7 +6659,7 @@
           <p:nvPr/>
         </p:nvPicPr>
         <p:blipFill>
-          <a:blip r:embed="rId2"/>
+          <a:blip r:embed="rId3"/>
           <a:stretch>
             <a:fillRect/>
           </a:stretch>
@@ -6853,20 +6842,6 @@
                 </a:rPr>
                 <a:t>项目规划</a:t>
               </a:r>
-              <a:endParaRPr kumimoji="0" lang="zh-CN" altLang="en-US" sz="3200" b="1" i="0" u="none" strike="noStrike" kern="0" cap="none" spc="0" normalizeH="0" baseline="0" noProof="0" dirty="0">
-                <a:ln>
-                  <a:noFill/>
-                </a:ln>
-                <a:solidFill>
-                  <a:prstClr val="white"/>
-                </a:solidFill>
-                <a:effectLst/>
-                <a:uLnTx/>
-                <a:uFillTx/>
-                <a:latin typeface="Verdana" panose="020B0604030504040204"/>
-                <a:ea typeface="微软雅黑" panose="020B0503020204020204" pitchFamily="34" charset="-122"/>
-                <a:cs typeface="+mn-cs"/>
-              </a:endParaRPr>
             </a:p>
           </p:txBody>
         </p:sp>
@@ -7113,13 +7088,6 @@
               </a:rPr>
               <a:t>  项目分析</a:t>
             </a:r>
-            <a:endParaRPr kumimoji="1" lang="zh-CN" altLang="en-US" sz="3200" b="1" dirty="0">
-              <a:solidFill>
-                <a:schemeClr val="tx2"/>
-              </a:solidFill>
-              <a:latin typeface="微软雅黑" panose="020B0503020204020204" pitchFamily="34" charset="-122"/>
-              <a:ea typeface="微软雅黑" panose="020B0503020204020204" pitchFamily="34" charset="-122"/>
-            </a:endParaRPr>
           </a:p>
         </p:txBody>
       </p:sp>
@@ -7132,7 +7100,7 @@
           <p:nvPr/>
         </p:nvPicPr>
         <p:blipFill>
-          <a:blip r:embed="rId1"/>
+          <a:blip r:embed="rId2"/>
           <a:stretch>
             <a:fillRect/>
           </a:stretch>
@@ -7191,18 +7159,6 @@
               </a:rPr>
               <a:t>确定项目整体规划</a:t>
             </a:r>
-            <a:endParaRPr lang="zh-CN" altLang="en-US" sz="2400" b="1">
-              <a:solidFill>
-                <a:schemeClr val="tx1"/>
-              </a:solidFill>
-              <a:effectLst>
-                <a:outerShdw blurRad="38100" dist="19050" dir="2700000" algn="tl" rotWithShape="0">
-                  <a:schemeClr val="dk1">
-                    <a:alpha val="40000"/>
-                  </a:schemeClr>
-                </a:outerShdw>
-              </a:effectLst>
-            </a:endParaRPr>
           </a:p>
           <a:p>
             <a:pPr indent="0" fontAlgn="auto">
@@ -7216,7 +7172,6 @@
               <a:rPr lang="zh-CN" altLang="en-US"/>
               <a:t>项目分为三个阶段，为三个阶段的具体任务划分时间</a:t>
             </a:r>
-            <a:endParaRPr lang="zh-CN" altLang="en-US"/>
           </a:p>
           <a:p>
             <a:pPr marL="285750" indent="-285750" fontAlgn="auto">
@@ -7230,7 +7185,6 @@
               <a:rPr lang="zh-CN" altLang="en-US"/>
               <a:t>需求调研（清明前后）</a:t>
             </a:r>
-            <a:endParaRPr lang="zh-CN" altLang="en-US"/>
           </a:p>
           <a:p>
             <a:pPr lvl="1" indent="0" fontAlgn="auto">
@@ -7254,10 +7208,6 @@
               </a:rPr>
               <a:t>：①完成相关平台的调研工作。②覆盖所有功能性需求和非功能性需求。</a:t>
             </a:r>
-            <a:endParaRPr lang="zh-CN" altLang="en-US">
-              <a:latin typeface="华光楷体一_CNKI" panose="02000500000000000000" charset="-122"/>
-              <a:ea typeface="华光楷体一_CNKI" panose="02000500000000000000" charset="-122"/>
-            </a:endParaRPr>
           </a:p>
           <a:p>
             <a:pPr lvl="1" indent="0" fontAlgn="auto">
@@ -7281,10 +7231,6 @@
               </a:rPr>
               <a:t>：需求文档的完善。</a:t>
             </a:r>
-            <a:endParaRPr lang="zh-CN" altLang="en-US">
-              <a:latin typeface="华光楷体一_CNKI" panose="02000500000000000000" charset="-122"/>
-              <a:ea typeface="华光楷体一_CNKI" panose="02000500000000000000" charset="-122"/>
-            </a:endParaRPr>
           </a:p>
           <a:p>
             <a:pPr marL="285750" indent="-285750" fontAlgn="auto">
@@ -7298,7 +7244,6 @@
               <a:rPr lang="zh-CN" altLang="en-US"/>
               <a:t>系统开发（劳动节前）</a:t>
             </a:r>
-            <a:endParaRPr lang="zh-CN" altLang="en-US"/>
           </a:p>
           <a:p>
             <a:pPr lvl="1" indent="0" fontAlgn="auto">
@@ -7380,11 +7325,6 @@
               </a:rPr>
               <a:t>技术的应用</a:t>
             </a:r>
-            <a:endParaRPr lang="zh-CN" altLang="en-US">
-              <a:latin typeface="华光楷体一_CNKI" panose="02000500000000000000" charset="-122"/>
-              <a:ea typeface="华光楷体一_CNKI" panose="02000500000000000000" charset="-122"/>
-              <a:cs typeface="华光楷体一_CNKI" panose="02000500000000000000" charset="-122"/>
-            </a:endParaRPr>
           </a:p>
           <a:p>
             <a:pPr marL="285750" indent="-285750" fontAlgn="auto">
@@ -7398,7 +7338,6 @@
               <a:rPr lang="zh-CN" altLang="en-US"/>
               <a:t>测试维护（课程结束）</a:t>
             </a:r>
-            <a:endParaRPr lang="zh-CN" altLang="en-US"/>
           </a:p>
           <a:p>
             <a:pPr lvl="1" indent="0" fontAlgn="auto">
@@ -7448,11 +7387,6 @@
               </a:rPr>
               <a:t>修复和改善</a:t>
             </a:r>
-            <a:endParaRPr lang="zh-CN" altLang="en-US">
-              <a:latin typeface="华光楷体一_CNKI" panose="02000500000000000000" charset="-122"/>
-              <a:ea typeface="华光楷体一_CNKI" panose="02000500000000000000" charset="-122"/>
-              <a:cs typeface="华光楷体一_CNKI" panose="02000500000000000000" charset="-122"/>
-            </a:endParaRPr>
           </a:p>
         </p:txBody>
       </p:sp>
@@ -7465,7 +7399,7 @@
           <p:nvPr/>
         </p:nvPicPr>
         <p:blipFill>
-          <a:blip r:embed="rId2"/>
+          <a:blip r:embed="rId3"/>
           <a:stretch>
             <a:fillRect/>
           </a:stretch>
@@ -7648,20 +7582,6 @@
                 </a:rPr>
                 <a:t>成员分析</a:t>
               </a:r>
-              <a:endParaRPr kumimoji="0" lang="zh-CN" altLang="en-US" sz="3200" b="1" i="0" u="none" strike="noStrike" kern="0" cap="none" spc="0" normalizeH="0" baseline="0" noProof="0" dirty="0">
-                <a:ln>
-                  <a:noFill/>
-                </a:ln>
-                <a:solidFill>
-                  <a:prstClr val="white"/>
-                </a:solidFill>
-                <a:effectLst/>
-                <a:uLnTx/>
-                <a:uFillTx/>
-                <a:latin typeface="Verdana" panose="020B0604030504040204"/>
-                <a:ea typeface="微软雅黑" panose="020B0503020204020204" pitchFamily="34" charset="-122"/>
-                <a:cs typeface="+mn-cs"/>
-              </a:endParaRPr>
             </a:p>
           </p:txBody>
         </p:sp>
@@ -7908,13 +7828,6 @@
               </a:rPr>
               <a:t>  项目分析</a:t>
             </a:r>
-            <a:endParaRPr kumimoji="1" lang="zh-CN" altLang="en-US" sz="3200" b="1" dirty="0">
-              <a:solidFill>
-                <a:schemeClr val="tx2"/>
-              </a:solidFill>
-              <a:latin typeface="微软雅黑" panose="020B0503020204020204" pitchFamily="34" charset="-122"/>
-              <a:ea typeface="微软雅黑" panose="020B0503020204020204" pitchFamily="34" charset="-122"/>
-            </a:endParaRPr>
           </a:p>
         </p:txBody>
       </p:sp>
@@ -7927,7 +7840,7 @@
           <p:nvPr/>
         </p:nvPicPr>
         <p:blipFill>
-          <a:blip r:embed="rId1"/>
+          <a:blip r:embed="rId2"/>
           <a:stretch>
             <a:fillRect/>
           </a:stretch>
@@ -7984,16 +7897,6 @@
               </a:rPr>
               <a:t>技术栈分析和管理</a:t>
             </a:r>
-            <a:endParaRPr lang="zh-CN" altLang="en-US" sz="2400" b="1">
-              <a:effectLst>
-                <a:outerShdw blurRad="38100" dist="19050" dir="2700000" algn="tl" rotWithShape="0">
-                  <a:schemeClr val="dk1">
-                    <a:alpha val="40000"/>
-                  </a:schemeClr>
-                </a:outerShdw>
-              </a:effectLst>
-              <a:sym typeface="+mn-ea"/>
-            </a:endParaRPr>
           </a:p>
           <a:p>
             <a:pPr indent="0" fontAlgn="auto">
@@ -8010,10 +7913,6 @@
               </a:rPr>
               <a:t>相关技术分析，确定团队管理，健全成员分配。</a:t>
             </a:r>
-            <a:endParaRPr lang="zh-CN" altLang="en-US">
-              <a:effectLst/>
-              <a:sym typeface="+mn-ea"/>
-            </a:endParaRPr>
           </a:p>
           <a:p>
             <a:pPr marL="285750" indent="-285750" fontAlgn="auto">
@@ -8030,10 +7929,6 @@
               </a:rPr>
               <a:t>相关技术调研</a:t>
             </a:r>
-            <a:endParaRPr lang="zh-CN" altLang="en-US">
-              <a:effectLst/>
-              <a:sym typeface="+mn-ea"/>
-            </a:endParaRPr>
           </a:p>
           <a:p>
             <a:pPr marL="742950" lvl="1" indent="-285750" fontAlgn="auto">
@@ -8073,13 +7968,6 @@
               </a:rPr>
               <a:t>客户端</a:t>
             </a:r>
-            <a:endParaRPr lang="zh-CN" altLang="en-US">
-              <a:effectLst/>
-              <a:latin typeface="华光楷体一_CNKI" panose="02000500000000000000" charset="-122"/>
-              <a:ea typeface="华光楷体一_CNKI" panose="02000500000000000000" charset="-122"/>
-              <a:cs typeface="华光楷体一_CNKI" panose="02000500000000000000" charset="-122"/>
-              <a:sym typeface="+mn-ea"/>
-            </a:endParaRPr>
           </a:p>
           <a:p>
             <a:pPr marL="742950" lvl="1" indent="-285750" fontAlgn="auto">
@@ -8099,13 +7987,6 @@
               </a:rPr>
               <a:t>前端与后端技术</a:t>
             </a:r>
-            <a:endParaRPr lang="zh-CN" altLang="en-US">
-              <a:effectLst/>
-              <a:latin typeface="华光楷体一_CNKI" panose="02000500000000000000" charset="-122"/>
-              <a:ea typeface="华光楷体一_CNKI" panose="02000500000000000000" charset="-122"/>
-              <a:cs typeface="华光楷体一_CNKI" panose="02000500000000000000" charset="-122"/>
-              <a:sym typeface="+mn-ea"/>
-            </a:endParaRPr>
           </a:p>
           <a:p>
             <a:pPr marL="742950" lvl="1" indent="-285750" fontAlgn="auto">
@@ -8135,13 +8016,6 @@
               </a:rPr>
               <a:t>（暂未启动）</a:t>
             </a:r>
-            <a:endParaRPr lang="zh-CN" altLang="en-US">
-              <a:effectLst/>
-              <a:latin typeface="华光楷体一_CNKI" panose="02000500000000000000" charset="-122"/>
-              <a:ea typeface="华光楷体一_CNKI" panose="02000500000000000000" charset="-122"/>
-              <a:cs typeface="华光楷体一_CNKI" panose="02000500000000000000" charset="-122"/>
-              <a:sym typeface="+mn-ea"/>
-            </a:endParaRPr>
           </a:p>
           <a:p>
             <a:pPr marL="285750" indent="-285750" fontAlgn="auto">
@@ -8158,10 +8032,6 @@
               </a:rPr>
               <a:t>其他细节</a:t>
             </a:r>
-            <a:endParaRPr lang="zh-CN" altLang="en-US">
-              <a:effectLst/>
-              <a:sym typeface="+mn-ea"/>
-            </a:endParaRPr>
           </a:p>
           <a:p>
             <a:pPr marL="742950" lvl="1" indent="-285750" fontAlgn="auto">
@@ -8180,12 +8050,6 @@
               </a:rPr>
               <a:t>确定周安排、项目开展形式等问题</a:t>
             </a:r>
-            <a:endParaRPr lang="zh-CN" altLang="en-US">
-              <a:effectLst/>
-              <a:latin typeface="华光楷体一_CNKI" panose="02000500000000000000" charset="-122"/>
-              <a:ea typeface="华光楷体一_CNKI" panose="02000500000000000000" charset="-122"/>
-              <a:sym typeface="+mn-ea"/>
-            </a:endParaRPr>
           </a:p>
           <a:p>
             <a:pPr marL="742950" lvl="1" indent="-285750" fontAlgn="auto">
@@ -8204,12 +8068,6 @@
               </a:rPr>
               <a:t>确定成员动态分配</a:t>
             </a:r>
-            <a:endParaRPr lang="zh-CN" altLang="en-US">
-              <a:effectLst/>
-              <a:latin typeface="华光楷体一_CNKI" panose="02000500000000000000" charset="-122"/>
-              <a:ea typeface="华光楷体一_CNKI" panose="02000500000000000000" charset="-122"/>
-              <a:sym typeface="+mn-ea"/>
-            </a:endParaRPr>
           </a:p>
         </p:txBody>
       </p:sp>
@@ -8222,7 +8080,7 @@
           <p:nvPr/>
         </p:nvPicPr>
         <p:blipFill>
-          <a:blip r:embed="rId2"/>
+          <a:blip r:embed="rId3"/>
           <a:stretch>
             <a:fillRect/>
           </a:stretch>
@@ -8405,20 +8263,6 @@
                 </a:rPr>
                 <a:t>接口分析</a:t>
               </a:r>
-              <a:endParaRPr kumimoji="0" lang="zh-CN" altLang="en-US" sz="3200" b="1" i="0" u="none" strike="noStrike" kern="0" cap="none" spc="0" normalizeH="0" baseline="0" noProof="0" dirty="0">
-                <a:ln>
-                  <a:noFill/>
-                </a:ln>
-                <a:solidFill>
-                  <a:prstClr val="white"/>
-                </a:solidFill>
-                <a:effectLst/>
-                <a:uLnTx/>
-                <a:uFillTx/>
-                <a:latin typeface="Verdana" panose="020B0604030504040204"/>
-                <a:ea typeface="微软雅黑" panose="020B0503020204020204" pitchFamily="34" charset="-122"/>
-                <a:cs typeface="+mn-cs"/>
-              </a:endParaRPr>
             </a:p>
           </p:txBody>
         </p:sp>
@@ -8665,13 +8509,6 @@
               </a:rPr>
               <a:t>  接口分析</a:t>
             </a:r>
-            <a:endParaRPr kumimoji="1" lang="zh-CN" altLang="en-US" sz="3200" b="1" dirty="0">
-              <a:solidFill>
-                <a:schemeClr val="tx2"/>
-              </a:solidFill>
-              <a:latin typeface="微软雅黑" panose="020B0503020204020204" pitchFamily="34" charset="-122"/>
-              <a:ea typeface="微软雅黑" panose="020B0503020204020204" pitchFamily="34" charset="-122"/>
-            </a:endParaRPr>
           </a:p>
         </p:txBody>
       </p:sp>
@@ -8684,7 +8521,7 @@
           <p:nvPr/>
         </p:nvPicPr>
         <p:blipFill>
-          <a:blip r:embed="rId1"/>
+          <a:blip r:embed="rId2"/>
           <a:stretch>
             <a:fillRect/>
           </a:stretch>
@@ -8730,7 +8567,6 @@
               <a:rPr lang="zh-CN" altLang="en-US"/>
               <a:t>针对助教给出的企业专家对接数据接口文档，进行属性分析和测试。</a:t>
             </a:r>
-            <a:endParaRPr lang="zh-CN" altLang="en-US"/>
           </a:p>
         </p:txBody>
       </p:sp>
@@ -8743,7 +8579,7 @@
           <p:nvPr/>
         </p:nvPicPr>
         <p:blipFill>
-          <a:blip r:embed="rId2"/>
+          <a:blip r:embed="rId3"/>
           <a:stretch>
             <a:fillRect/>
           </a:stretch>
@@ -8774,13 +8610,6 @@
   <p:transition>
     <p:wipe/>
   </p:transition>
-  <p:timing>
-    <p:tnLst>
-      <p:par>
-        <p:cTn id="1" dur="indefinite" restart="never" nodeType="tmRoot"/>
-      </p:par>
-    </p:tnLst>
-  </p:timing>
 </p:sld>
 </file>
 
@@ -8835,11 +8664,6 @@
               </a:rPr>
               <a:t>后续计划</a:t>
             </a:r>
-            <a:endParaRPr lang="zh-CN" altLang="en-US" sz="6000" b="1" dirty="0">
-              <a:latin typeface="微软雅黑" panose="020B0503020204020204" pitchFamily="34" charset="-122"/>
-              <a:ea typeface="微软雅黑" panose="020B0503020204020204" pitchFamily="34" charset="-122"/>
-              <a:cs typeface="Yuppy SC" panose="020F0603040207020204" pitchFamily="34" charset="-122"/>
-            </a:endParaRPr>
           </a:p>
         </p:txBody>
       </p:sp>
@@ -8852,7 +8676,7 @@
           <p:nvPr/>
         </p:nvPicPr>
         <p:blipFill>
-          <a:blip r:embed="rId1"/>
+          <a:blip r:embed="rId2"/>
           <a:stretch>
             <a:fillRect/>
           </a:stretch>
@@ -9708,7 +9532,7 @@
           <p:nvPr/>
         </p:nvPicPr>
         <p:blipFill>
-          <a:blip r:embed="rId2"/>
+          <a:blip r:embed="rId3"/>
           <a:stretch>
             <a:fillRect/>
           </a:stretch>
@@ -9891,20 +9715,6 @@
                 </a:rPr>
                 <a:t>需求文档</a:t>
               </a:r>
-              <a:endParaRPr kumimoji="0" lang="zh-CN" altLang="en-US" sz="3200" b="1" i="0" u="none" strike="noStrike" kern="0" cap="none" spc="0" normalizeH="0" baseline="0" noProof="0" dirty="0">
-                <a:ln>
-                  <a:noFill/>
-                </a:ln>
-                <a:solidFill>
-                  <a:prstClr val="white"/>
-                </a:solidFill>
-                <a:effectLst/>
-                <a:uLnTx/>
-                <a:uFillTx/>
-                <a:latin typeface="Verdana" panose="020B0604030504040204"/>
-                <a:ea typeface="微软雅黑" panose="020B0503020204020204" pitchFamily="34" charset="-122"/>
-                <a:cs typeface="+mn-cs"/>
-              </a:endParaRPr>
             </a:p>
           </p:txBody>
         </p:sp>
@@ -10151,13 +9961,6 @@
               </a:rPr>
               <a:t>  需求文档</a:t>
             </a:r>
-            <a:endParaRPr kumimoji="1" lang="zh-CN" altLang="en-US" sz="3200" b="1" dirty="0">
-              <a:solidFill>
-                <a:schemeClr val="tx2"/>
-              </a:solidFill>
-              <a:latin typeface="微软雅黑" panose="020B0503020204020204" pitchFamily="34" charset="-122"/>
-              <a:ea typeface="微软雅黑" panose="020B0503020204020204" pitchFamily="34" charset="-122"/>
-            </a:endParaRPr>
           </a:p>
         </p:txBody>
       </p:sp>
@@ -10170,7 +9973,7 @@
           <p:nvPr/>
         </p:nvPicPr>
         <p:blipFill>
-          <a:blip r:embed="rId1"/>
+          <a:blip r:embed="rId2"/>
           <a:stretch>
             <a:fillRect/>
           </a:stretch>
@@ -10205,6 +10008,7 @@
           <a:bodyPr wrap="square" rtlCol="0">
             <a:spAutoFit/>
           </a:bodyPr>
+          <a:lstStyle/>
           <a:p>
             <a:pPr indent="0" fontAlgn="auto">
               <a:lnSpc>
@@ -10215,7 +10019,6 @@
               <a:rPr lang="zh-CN" altLang="en-US"/>
               <a:t>完善需求文档是下一周的核心工作，该工作分为以下部分：</a:t>
             </a:r>
-            <a:endParaRPr lang="zh-CN" altLang="en-US"/>
           </a:p>
           <a:p>
             <a:pPr marL="285750" indent="-285750" fontAlgn="auto">
@@ -10229,7 +10032,6 @@
               <a:rPr lang="zh-CN" altLang="en-US"/>
               <a:t>项目整体介绍</a:t>
             </a:r>
-            <a:endParaRPr lang="zh-CN" altLang="en-US"/>
           </a:p>
           <a:p>
             <a:pPr lvl="1" indent="0" fontAlgn="auto">
@@ -10274,7 +10076,6 @@
               <a:rPr lang="zh-CN" altLang="en-US"/>
               <a:t>企业用户需求</a:t>
             </a:r>
-            <a:endParaRPr lang="zh-CN" altLang="en-US"/>
           </a:p>
           <a:p>
             <a:pPr lvl="1" indent="0" fontAlgn="auto">
@@ -10322,7 +10123,6 @@
               <a:rPr lang="zh-CN" altLang="en-US"/>
               <a:t>管理端需求</a:t>
             </a:r>
-            <a:endParaRPr lang="zh-CN" altLang="en-US"/>
           </a:p>
           <a:p>
             <a:pPr lvl="1" indent="0" fontAlgn="auto">
@@ -10356,7 +10156,6 @@
               <a:rPr lang="zh-CN" altLang="en-US"/>
               <a:t>非功能性需求</a:t>
             </a:r>
-            <a:endParaRPr lang="zh-CN" altLang="en-US"/>
           </a:p>
           <a:p>
             <a:pPr lvl="1" indent="0" fontAlgn="auto">
@@ -10402,7 +10201,6 @@
               <a:rPr lang="zh-CN" altLang="en-US" b="1"/>
               <a:t>在后续开发过程中进行相应调整。</a:t>
             </a:r>
-            <a:endParaRPr lang="zh-CN" altLang="en-US" b="1"/>
           </a:p>
         </p:txBody>
       </p:sp>
@@ -10591,20 +10389,6 @@
                 </a:rPr>
                 <a:t>UI</a:t>
               </a:r>
-              <a:endParaRPr kumimoji="0" lang="en-US" altLang="zh-CN" sz="3200" b="1" i="0" u="none" strike="noStrike" kern="0" cap="none" spc="0" normalizeH="0" baseline="0" noProof="0" dirty="0">
-                <a:ln>
-                  <a:noFill/>
-                </a:ln>
-                <a:solidFill>
-                  <a:prstClr val="white"/>
-                </a:solidFill>
-                <a:effectLst/>
-                <a:uLnTx/>
-                <a:uFillTx/>
-                <a:latin typeface="Verdana" panose="020B0604030504040204"/>
-                <a:ea typeface="微软雅黑" panose="020B0503020204020204" pitchFamily="34" charset="-122"/>
-                <a:cs typeface="+mn-cs"/>
-              </a:endParaRPr>
             </a:p>
           </p:txBody>
         </p:sp>
@@ -10851,13 +10635,6 @@
               </a:rPr>
               <a:t>  概念设计</a:t>
             </a:r>
-            <a:endParaRPr kumimoji="1" lang="zh-CN" altLang="en-US" sz="3200" b="1" dirty="0">
-              <a:solidFill>
-                <a:schemeClr val="tx2"/>
-              </a:solidFill>
-              <a:latin typeface="微软雅黑" panose="020B0503020204020204" pitchFamily="34" charset="-122"/>
-              <a:ea typeface="微软雅黑" panose="020B0503020204020204" pitchFamily="34" charset="-122"/>
-            </a:endParaRPr>
           </a:p>
         </p:txBody>
       </p:sp>
@@ -10870,7 +10647,7 @@
           <p:nvPr/>
         </p:nvPicPr>
         <p:blipFill>
-          <a:blip r:embed="rId1"/>
+          <a:blip r:embed="rId2"/>
           <a:stretch>
             <a:fillRect/>
           </a:stretch>
@@ -10905,6 +10682,7 @@
           <a:bodyPr wrap="square" rtlCol="0">
             <a:spAutoFit/>
           </a:bodyPr>
+          <a:lstStyle/>
           <a:p>
             <a:pPr indent="0" fontAlgn="auto">
               <a:lnSpc>
@@ -10923,7 +10701,6 @@
               <a:rPr lang="zh-CN" altLang="en-US"/>
               <a:t>设计为次要任务，需要进行类似系统的调研。</a:t>
             </a:r>
-            <a:endParaRPr lang="zh-CN" altLang="en-US"/>
           </a:p>
           <a:p>
             <a:pPr marL="285750" indent="0" fontAlgn="auto">
@@ -10937,7 +10714,6 @@
               <a:rPr lang="zh-CN" altLang="en-US"/>
               <a:t>模式设计</a:t>
             </a:r>
-            <a:endParaRPr lang="zh-CN" altLang="en-US"/>
           </a:p>
           <a:p>
             <a:pPr lvl="1" indent="0" fontAlgn="auto">
@@ -10954,10 +10730,6 @@
               </a:rPr>
               <a:t>软件模式设计：瀑布模式？</a:t>
             </a:r>
-            <a:endParaRPr lang="zh-CN" altLang="en-US">
-              <a:latin typeface="华光楷体一_CNKI" panose="02000500000000000000" charset="-122"/>
-              <a:ea typeface="华光楷体一_CNKI" panose="02000500000000000000" charset="-122"/>
-            </a:endParaRPr>
           </a:p>
           <a:p>
             <a:pPr marL="285750" indent="0" fontAlgn="auto">
@@ -10975,7 +10747,6 @@
               <a:rPr lang="zh-CN" altLang="en-US"/>
               <a:t>设计</a:t>
             </a:r>
-            <a:endParaRPr lang="zh-CN" altLang="en-US"/>
           </a:p>
           <a:p>
             <a:pPr lvl="1" indent="0" fontAlgn="auto">
@@ -10992,10 +10763,6 @@
               </a:rPr>
               <a:t>类似系统的调查：比如亚商平台。</a:t>
             </a:r>
-            <a:endParaRPr lang="zh-CN" altLang="en-US">
-              <a:latin typeface="华光楷体一_CNKI" panose="02000500000000000000" charset="-122"/>
-              <a:ea typeface="华光楷体一_CNKI" panose="02000500000000000000" charset="-122"/>
-            </a:endParaRPr>
           </a:p>
           <a:p>
             <a:pPr lvl="1" indent="0" fontAlgn="auto">
@@ -11021,7 +10788,7 @@
           <p:nvPr/>
         </p:nvPicPr>
         <p:blipFill>
-          <a:blip r:embed="rId2"/>
+          <a:blip r:embed="rId3"/>
           <a:stretch>
             <a:fillRect/>
           </a:stretch>
@@ -11053,7 +10820,7 @@
 </file>
 
 <file path=ppt/tags/tag1.xml><?xml version="1.0" encoding="utf-8"?>
-<p:tagLst xmlns:p="http://schemas.openxmlformats.org/presentationml/2006/main">
+<p:tagLst xmlns:a="http://schemas.openxmlformats.org/drawingml/2006/main" xmlns:r="http://schemas.openxmlformats.org/officeDocument/2006/relationships" xmlns:p="http://schemas.openxmlformats.org/presentationml/2006/main">
   <p:tag name="KSO_WM_UNIT_PLACING_PICTURE_USER_VIEWPORT" val="{&quot;height&quot;:960,&quot;width&quot;:3900}"/>
 </p:tagLst>
 </file>
@@ -11309,6 +11076,8 @@
       </a:bgFillStyleLst>
     </a:fmtScheme>
   </a:themeElements>
+  <a:objectDefaults/>
+  <a:extraClrSchemeLst/>
   <a:extLst>
     <a:ext uri="{05A4C25C-085E-4340-85A3-A5531E510DB2}">
       <thm15:themeFamily xmlns:thm15="http://schemas.microsoft.com/office/thememl/2012/main" name="Office Theme" id="{62F939B6-93AF-4DB8-9C6B-D6C7DFDC589F}" vid="{4A3C46E8-61CC-4603-A589-7422A47A8E4A}"/>
